--- a/docs/chrome-store-screenshot.pptx
+++ b/docs/chrome-store-screenshot.pptx
@@ -6,6 +6,7 @@
   </p:sldMasterIdLst>
   <p:sldIdLst>
     <p:sldId id="256" r:id="rId2"/>
+    <p:sldId id="257" r:id="rId3"/>
   </p:sldIdLst>
   <p:sldSz cx="4608513" cy="2879725"/>
   <p:notesSz cx="6858000" cy="9144000"/>
@@ -254,7 +255,7 @@
           <a:p>
             <a:fld id="{11101B74-C803-1A40-B075-3EC5034A4B5D}" type="datetimeFigureOut">
               <a:rPr lang="en-GB" smtClean="0"/>
-              <a:t>17/08/2020</a:t>
+              <a:t>05/09/2020</a:t>
             </a:fld>
             <a:endParaRPr lang="en-GB"/>
           </a:p>
@@ -424,7 +425,7 @@
           <a:p>
             <a:fld id="{11101B74-C803-1A40-B075-3EC5034A4B5D}" type="datetimeFigureOut">
               <a:rPr lang="en-GB" smtClean="0"/>
-              <a:t>17/08/2020</a:t>
+              <a:t>05/09/2020</a:t>
             </a:fld>
             <a:endParaRPr lang="en-GB"/>
           </a:p>
@@ -604,7 +605,7 @@
           <a:p>
             <a:fld id="{11101B74-C803-1A40-B075-3EC5034A4B5D}" type="datetimeFigureOut">
               <a:rPr lang="en-GB" smtClean="0"/>
-              <a:t>17/08/2020</a:t>
+              <a:t>05/09/2020</a:t>
             </a:fld>
             <a:endParaRPr lang="en-GB"/>
           </a:p>
@@ -774,7 +775,7 @@
           <a:p>
             <a:fld id="{11101B74-C803-1A40-B075-3EC5034A4B5D}" type="datetimeFigureOut">
               <a:rPr lang="en-GB" smtClean="0"/>
-              <a:t>17/08/2020</a:t>
+              <a:t>05/09/2020</a:t>
             </a:fld>
             <a:endParaRPr lang="en-GB"/>
           </a:p>
@@ -1020,7 +1021,7 @@
           <a:p>
             <a:fld id="{11101B74-C803-1A40-B075-3EC5034A4B5D}" type="datetimeFigureOut">
               <a:rPr lang="en-GB" smtClean="0"/>
-              <a:t>17/08/2020</a:t>
+              <a:t>05/09/2020</a:t>
             </a:fld>
             <a:endParaRPr lang="en-GB"/>
           </a:p>
@@ -1252,7 +1253,7 @@
           <a:p>
             <a:fld id="{11101B74-C803-1A40-B075-3EC5034A4B5D}" type="datetimeFigureOut">
               <a:rPr lang="en-GB" smtClean="0"/>
-              <a:t>17/08/2020</a:t>
+              <a:t>05/09/2020</a:t>
             </a:fld>
             <a:endParaRPr lang="en-GB"/>
           </a:p>
@@ -1619,7 +1620,7 @@
           <a:p>
             <a:fld id="{11101B74-C803-1A40-B075-3EC5034A4B5D}" type="datetimeFigureOut">
               <a:rPr lang="en-GB" smtClean="0"/>
-              <a:t>17/08/2020</a:t>
+              <a:t>05/09/2020</a:t>
             </a:fld>
             <a:endParaRPr lang="en-GB"/>
           </a:p>
@@ -1737,7 +1738,7 @@
           <a:p>
             <a:fld id="{11101B74-C803-1A40-B075-3EC5034A4B5D}" type="datetimeFigureOut">
               <a:rPr lang="en-GB" smtClean="0"/>
-              <a:t>17/08/2020</a:t>
+              <a:t>05/09/2020</a:t>
             </a:fld>
             <a:endParaRPr lang="en-GB"/>
           </a:p>
@@ -1832,7 +1833,7 @@
           <a:p>
             <a:fld id="{11101B74-C803-1A40-B075-3EC5034A4B5D}" type="datetimeFigureOut">
               <a:rPr lang="en-GB" smtClean="0"/>
-              <a:t>17/08/2020</a:t>
+              <a:t>05/09/2020</a:t>
             </a:fld>
             <a:endParaRPr lang="en-GB"/>
           </a:p>
@@ -2109,7 +2110,7 @@
           <a:p>
             <a:fld id="{11101B74-C803-1A40-B075-3EC5034A4B5D}" type="datetimeFigureOut">
               <a:rPr lang="en-GB" smtClean="0"/>
-              <a:t>17/08/2020</a:t>
+              <a:t>05/09/2020</a:t>
             </a:fld>
             <a:endParaRPr lang="en-GB"/>
           </a:p>
@@ -2366,7 +2367,7 @@
           <a:p>
             <a:fld id="{11101B74-C803-1A40-B075-3EC5034A4B5D}" type="datetimeFigureOut">
               <a:rPr lang="en-GB" smtClean="0"/>
-              <a:t>17/08/2020</a:t>
+              <a:t>05/09/2020</a:t>
             </a:fld>
             <a:endParaRPr lang="en-GB"/>
           </a:p>
@@ -2579,7 +2580,7 @@
           <a:p>
             <a:fld id="{11101B74-C803-1A40-B075-3EC5034A4B5D}" type="datetimeFigureOut">
               <a:rPr lang="en-GB" smtClean="0"/>
-              <a:t>17/08/2020</a:t>
+              <a:t>05/09/2020</a:t>
             </a:fld>
             <a:endParaRPr lang="en-GB"/>
           </a:p>
@@ -3027,6 +3028,213 @@
 </p:sld>
 </file>
 
+<file path=ppt/slides/slide2.xml><?xml version="1.0" encoding="utf-8"?>
+<p:sld xmlns:a="http://schemas.openxmlformats.org/drawingml/2006/main" xmlns:r="http://schemas.openxmlformats.org/officeDocument/2006/relationships" xmlns:p="http://schemas.openxmlformats.org/presentationml/2006/main">
+  <p:cSld>
+    <p:spTree>
+      <p:nvGrpSpPr>
+        <p:cNvPr id="1" name=""/>
+        <p:cNvGrpSpPr/>
+        <p:nvPr/>
+      </p:nvGrpSpPr>
+      <p:grpSpPr>
+        <a:xfrm>
+          <a:off x="0" y="0"/>
+          <a:ext cx="0" cy="0"/>
+          <a:chOff x="0" y="0"/>
+          <a:chExt cx="0" cy="0"/>
+        </a:xfrm>
+      </p:grpSpPr>
+      <p:pic>
+        <p:nvPicPr>
+          <p:cNvPr id="8" name="Grafik 7">
+            <a:extLst>
+              <a:ext uri="{FF2B5EF4-FFF2-40B4-BE49-F238E27FC236}">
+                <a16:creationId xmlns:a16="http://schemas.microsoft.com/office/drawing/2014/main" id="{2F241CC2-8379-374D-ADBE-67A2AD6A76CE}"/>
+              </a:ext>
+            </a:extLst>
+          </p:cNvPr>
+          <p:cNvPicPr>
+            <a:picLocks noChangeAspect="1"/>
+          </p:cNvPicPr>
+          <p:nvPr/>
+        </p:nvPicPr>
+        <p:blipFill rotWithShape="1">
+          <a:blip r:embed="rId2"/>
+          <a:srcRect t="1" b="3116"/>
+          <a:stretch/>
+        </p:blipFill>
+        <p:spPr>
+          <a:xfrm>
+            <a:off x="2364012" y="508859"/>
+            <a:ext cx="2244501" cy="1640452"/>
+          </a:xfrm>
+          <a:prstGeom prst="rect">
+            <a:avLst/>
+          </a:prstGeom>
+        </p:spPr>
+      </p:pic>
+      <p:sp>
+        <p:nvSpPr>
+          <p:cNvPr id="11" name="Doppelte Welle 10">
+            <a:extLst>
+              <a:ext uri="{FF2B5EF4-FFF2-40B4-BE49-F238E27FC236}">
+                <a16:creationId xmlns:a16="http://schemas.microsoft.com/office/drawing/2014/main" id="{5DBB1E2D-A1EF-8444-BE9A-E1EAF1209175}"/>
+              </a:ext>
+            </a:extLst>
+          </p:cNvPr>
+          <p:cNvSpPr/>
+          <p:nvPr/>
+        </p:nvSpPr>
+        <p:spPr>
+          <a:xfrm>
+            <a:off x="2364011" y="236942"/>
+            <a:ext cx="2244501" cy="301657"/>
+          </a:xfrm>
+          <a:prstGeom prst="doubleWave">
+            <a:avLst/>
+          </a:prstGeom>
+          <a:solidFill>
+            <a:schemeClr val="bg1"/>
+          </a:solidFill>
+          <a:ln>
+            <a:solidFill>
+              <a:schemeClr val="bg1"/>
+            </a:solidFill>
+          </a:ln>
+        </p:spPr>
+        <p:style>
+          <a:lnRef idx="2">
+            <a:schemeClr val="accent1">
+              <a:shade val="50000"/>
+            </a:schemeClr>
+          </a:lnRef>
+          <a:fillRef idx="1">
+            <a:schemeClr val="accent1"/>
+          </a:fillRef>
+          <a:effectRef idx="0">
+            <a:schemeClr val="accent1"/>
+          </a:effectRef>
+          <a:fontRef idx="minor">
+            <a:schemeClr val="lt1"/>
+          </a:fontRef>
+        </p:style>
+        <p:txBody>
+          <a:bodyPr rtlCol="0" anchor="ctr"/>
+          <a:lstStyle/>
+          <a:p>
+            <a:pPr algn="ctr"/>
+            <a:endParaRPr lang="en-GB"/>
+          </a:p>
+        </p:txBody>
+      </p:sp>
+      <p:pic>
+        <p:nvPicPr>
+          <p:cNvPr id="4" name="Grafik 3">
+            <a:extLst>
+              <a:ext uri="{FF2B5EF4-FFF2-40B4-BE49-F238E27FC236}">
+                <a16:creationId xmlns:a16="http://schemas.microsoft.com/office/drawing/2014/main" id="{23E87174-6F9D-C443-9CE6-9B0DC9D85B91}"/>
+              </a:ext>
+            </a:extLst>
+          </p:cNvPr>
+          <p:cNvPicPr>
+            <a:picLocks noChangeAspect="1"/>
+          </p:cNvPicPr>
+          <p:nvPr/>
+        </p:nvPicPr>
+        <p:blipFill rotWithShape="1">
+          <a:blip r:embed="rId3">
+            <a:clrChange>
+              <a:clrFrom>
+                <a:srgbClr val="FFFFFF"/>
+              </a:clrFrom>
+              <a:clrTo>
+                <a:srgbClr val="FFFFFF">
+                  <a:alpha val="0"/>
+                </a:srgbClr>
+              </a:clrTo>
+            </a:clrChange>
+          </a:blip>
+          <a:srcRect t="5689" r="1063"/>
+          <a:stretch/>
+        </p:blipFill>
+        <p:spPr>
+          <a:xfrm>
+            <a:off x="0" y="383058"/>
+            <a:ext cx="2547079" cy="1819021"/>
+          </a:xfrm>
+          <a:prstGeom prst="rect">
+            <a:avLst/>
+          </a:prstGeom>
+        </p:spPr>
+      </p:pic>
+      <p:sp>
+        <p:nvSpPr>
+          <p:cNvPr id="12" name="Doppelte Welle 11">
+            <a:extLst>
+              <a:ext uri="{FF2B5EF4-FFF2-40B4-BE49-F238E27FC236}">
+                <a16:creationId xmlns:a16="http://schemas.microsoft.com/office/drawing/2014/main" id="{42A8EFFC-9FF3-D744-AAED-50AD89B2E560}"/>
+              </a:ext>
+            </a:extLst>
+          </p:cNvPr>
+          <p:cNvSpPr/>
+          <p:nvPr/>
+        </p:nvSpPr>
+        <p:spPr>
+          <a:xfrm>
+            <a:off x="2305050" y="2114858"/>
+            <a:ext cx="2303462" cy="301657"/>
+          </a:xfrm>
+          <a:prstGeom prst="doubleWave">
+            <a:avLst/>
+          </a:prstGeom>
+          <a:solidFill>
+            <a:schemeClr val="bg1"/>
+          </a:solidFill>
+          <a:ln>
+            <a:solidFill>
+              <a:schemeClr val="bg1"/>
+            </a:solidFill>
+          </a:ln>
+        </p:spPr>
+        <p:style>
+          <a:lnRef idx="2">
+            <a:schemeClr val="accent1">
+              <a:shade val="50000"/>
+            </a:schemeClr>
+          </a:lnRef>
+          <a:fillRef idx="1">
+            <a:schemeClr val="accent1"/>
+          </a:fillRef>
+          <a:effectRef idx="0">
+            <a:schemeClr val="accent1"/>
+          </a:effectRef>
+          <a:fontRef idx="minor">
+            <a:schemeClr val="lt1"/>
+          </a:fontRef>
+        </p:style>
+        <p:txBody>
+          <a:bodyPr rtlCol="0" anchor="ctr"/>
+          <a:lstStyle/>
+          <a:p>
+            <a:pPr algn="ctr"/>
+            <a:endParaRPr lang="en-GB"/>
+          </a:p>
+        </p:txBody>
+      </p:sp>
+    </p:spTree>
+    <p:extLst>
+      <p:ext uri="{BB962C8B-B14F-4D97-AF65-F5344CB8AC3E}">
+        <p14:creationId xmlns:p14="http://schemas.microsoft.com/office/powerpoint/2010/main" val="2518578027"/>
+      </p:ext>
+    </p:extLst>
+  </p:cSld>
+  <p:clrMapOvr>
+    <a:masterClrMapping/>
+  </p:clrMapOvr>
+</p:sld>
+</file>
+
 <file path=ppt/theme/theme1.xml><?xml version="1.0" encoding="utf-8"?>
 <a:theme xmlns:a="http://schemas.openxmlformats.org/drawingml/2006/main" name="Office">
   <a:themeElements>
